--- a/Presentation1.pptx
+++ b/Presentation1.pptx
@@ -107,12 +107,12 @@
   <p:extLst>
     <p:ext uri="{EFAFB233-063F-42B5-8137-9DF3F51BA10A}">
       <p15:sldGuideLst xmlns:p15="http://schemas.microsoft.com/office/powerpoint/2012/main">
-        <p15:guide id="1" orient="horz" pos="2863" userDrawn="1">
+        <p15:guide id="1" orient="horz" pos="3521" userDrawn="1">
           <p15:clr>
             <a:srgbClr val="A4A3A4"/>
           </p15:clr>
         </p15:guide>
-        <p15:guide id="2" pos="3840" userDrawn="1">
+        <p15:guide id="2" pos="4316" userDrawn="1">
           <p15:clr>
             <a:srgbClr val="A4A3A4"/>
           </p15:clr>
@@ -3375,7 +3375,7 @@
         <p:spPr>
           <a:xfrm>
             <a:off x="942974" y="361950"/>
-            <a:ext cx="3381375" cy="3457575"/>
+            <a:ext cx="2700112" cy="2714436"/>
           </a:xfrm>
           <a:prstGeom prst="rect">
             <a:avLst/>
@@ -3430,16 +3430,34 @@
               </a:lnSpc>
             </a:pPr>
             <a:r>
-              <a:rPr lang="fr" sz="11000" b="1" dirty="0">
+              <a:rPr lang="fr" sz="2000" b="1" dirty="0">
                 <a:solidFill>
                   <a:srgbClr val="FFEF19"/>
                 </a:solidFill>
                 <a:latin typeface="Jokerman" panose="04090605060D06020702" pitchFamily="82" charset="0"/>
               </a:rPr>
-              <a:t>??</a:t>
+              <a:t>?</a:t>
+            </a:r>
+            <a:r>
+              <a:rPr lang="fr" sz="4000" b="1" dirty="0">
+                <a:solidFill>
+                  <a:srgbClr val="FFEF19"/>
+                </a:solidFill>
+                <a:latin typeface="Jokerman" panose="04090605060D06020702" pitchFamily="82" charset="0"/>
+              </a:rPr>
+              <a:t>?</a:t>
+            </a:r>
+            <a:r>
+              <a:rPr lang="fr" b="1" dirty="0">
+                <a:solidFill>
+                  <a:srgbClr val="FFEF19"/>
+                </a:solidFill>
+                <a:latin typeface="Jokerman" panose="04090605060D06020702" pitchFamily="82" charset="0"/>
+              </a:rPr>
+              <a:t>?</a:t>
             </a:r>
             <a:br>
-              <a:rPr lang="fr" sz="4400" b="1" dirty="0">
+              <a:rPr lang="fr" sz="4000" b="1" dirty="0">
                 <a:solidFill>
                   <a:srgbClr val="FFEF19"/>
                 </a:solidFill>
@@ -3447,7 +3465,7 @@
               </a:rPr>
             </a:br>
             <a:r>
-              <a:rPr lang="fr" sz="4400" b="1" dirty="0">
+              <a:rPr lang="fr" sz="4000" b="1" dirty="0">
                 <a:solidFill>
                   <a:srgbClr val="FFEF19"/>
                 </a:solidFill>
@@ -3456,7 +3474,7 @@
               <a:t>D</a:t>
             </a:r>
             <a:r>
-              <a:rPr lang="fr-FR" sz="4400" b="1" dirty="0" err="1">
+              <a:rPr lang="fr-FR" sz="4000" b="1" dirty="0" err="1">
                 <a:solidFill>
                   <a:srgbClr val="FFEF19"/>
                 </a:solidFill>
@@ -3464,7 +3482,7 @@
               </a:rPr>
               <a:t>eep</a:t>
             </a:r>
-            <a:endParaRPr lang="fr-FR" sz="4400" b="1" dirty="0">
+            <a:endParaRPr lang="fr-FR" sz="4000" b="1" dirty="0">
               <a:solidFill>
                 <a:srgbClr val="FFEF19"/>
               </a:solidFill>
@@ -3478,20 +3496,69 @@
               </a:lnSpc>
             </a:pPr>
             <a:r>
-              <a:rPr lang="fr-FR" sz="4400" b="1">
+              <a:rPr lang="fr-FR" sz="3000" b="1" dirty="0">
                 <a:solidFill>
                   <a:srgbClr val="FFEF19"/>
                 </a:solidFill>
                 <a:latin typeface="Jokerman" panose="04090605060D06020702" pitchFamily="82" charset="0"/>
               </a:rPr>
-              <a:t>Questions </a:t>
-            </a:r>
-            <a:endParaRPr lang="fr-FR" sz="4400" b="1" dirty="0">
-              <a:solidFill>
-                <a:srgbClr val="FFEF19"/>
-              </a:solidFill>
-              <a:latin typeface="Jokerman" panose="04090605060D06020702" pitchFamily="82" charset="0"/>
-            </a:endParaRPr>
+              <a:t>Questions</a:t>
+            </a:r>
+            <a:r>
+              <a:rPr lang="fr-FR" sz="4000" b="1" dirty="0">
+                <a:solidFill>
+                  <a:srgbClr val="FFEF19"/>
+                </a:solidFill>
+                <a:latin typeface="Jokerman" panose="04090605060D06020702" pitchFamily="82" charset="0"/>
+              </a:rPr>
+              <a:t> </a:t>
+            </a:r>
+          </a:p>
+        </p:txBody>
+      </p:sp>
+      <p:sp>
+        <p:nvSpPr>
+          <p:cNvPr id="2" name="Rectangle 1">
+            <a:extLst>
+              <a:ext uri="{FF2B5EF4-FFF2-40B4-BE49-F238E27FC236}">
+                <a16:creationId xmlns:a16="http://schemas.microsoft.com/office/drawing/2014/main" id="{0A7646A2-5675-B73A-DC19-67701C380530}"/>
+              </a:ext>
+            </a:extLst>
+          </p:cNvPr>
+          <p:cNvSpPr/>
+          <p:nvPr/>
+        </p:nvSpPr>
+        <p:spPr>
+          <a:xfrm>
+            <a:off x="7667624" y="552450"/>
+            <a:ext cx="4524376" cy="4524376"/>
+          </a:xfrm>
+          <a:prstGeom prst="rect">
+            <a:avLst/>
+          </a:prstGeom>
+        </p:spPr>
+        <p:style>
+          <a:lnRef idx="2">
+            <a:schemeClr val="accent1">
+              <a:shade val="15000"/>
+            </a:schemeClr>
+          </a:lnRef>
+          <a:fillRef idx="1">
+            <a:schemeClr val="accent1"/>
+          </a:fillRef>
+          <a:effectRef idx="0">
+            <a:schemeClr val="accent1"/>
+          </a:effectRef>
+          <a:fontRef idx="minor">
+            <a:schemeClr val="lt1"/>
+          </a:fontRef>
+        </p:style>
+        <p:txBody>
+          <a:bodyPr rtlCol="0" anchor="ctr"/>
+          <a:lstStyle/>
+          <a:p>
+            <a:pPr algn="ctr"/>
+            <a:endParaRPr lang="fr-FR"/>
           </a:p>
         </p:txBody>
       </p:sp>
